--- a/02-Container-and-Provisioning/02-Docker_Cluster.pptx
+++ b/02-Container-and-Provisioning/02-Docker_Cluster.pptx
@@ -244,7 +244,7 @@
           <a:p>
             <a:fld id="{852105B6-D441-4EC0-9FA7-CF26CD0B8EA0}" type="datetimeFigureOut">
               <a:rPr lang="en-US" smtClean="0"/>
-              <a:t>10/19/2017</a:t>
+              <a:t>10/31/2017</a:t>
             </a:fld>
             <a:endParaRPr lang="en-US"/>
           </a:p>
@@ -2090,7 +2090,7 @@
                 <a:ea typeface="Helvetica" charset="0"/>
                 <a:cs typeface="Helvetica" charset="0"/>
               </a:rPr>
-              <a:t>Tobis Jonas – Peter Kurfer – </a:t>
+              <a:t>Tobias Jonas – Peter Kurfer – </a:t>
             </a:r>
             <a:r>
               <a:rPr lang="de-DE" sz="923" b="0" dirty="0" err="1">
@@ -2757,9 +2757,10 @@
           <a:lstStyle/>
           <a:p>
             <a:r>
-              <a:rPr lang="en-US" dirty="0"/>
-              <a:t>Docker Clustering</a:t>
-            </a:r>
+              <a:rPr lang="en-US"/>
+              <a:t>Microservices</a:t>
+            </a:r>
+            <a:endParaRPr lang="en-US" dirty="0"/>
           </a:p>
         </p:txBody>
       </p:sp>
@@ -2779,41 +2780,10 @@
           <a:lstStyle/>
           <a:p>
             <a:r>
-              <a:rPr lang="de-DE" dirty="0"/>
-              <a:t>Docker </a:t>
-            </a:r>
-            <a:r>
-              <a:rPr lang="de-DE" dirty="0" err="1"/>
-              <a:t>cluster</a:t>
-            </a:r>
-            <a:r>
-              <a:rPr lang="de-DE" dirty="0"/>
-              <a:t> </a:t>
-            </a:r>
-            <a:r>
-              <a:rPr lang="de-DE" dirty="0" err="1"/>
-              <a:t>systems</a:t>
-            </a:r>
-            <a:r>
-              <a:rPr lang="de-DE" dirty="0"/>
-              <a:t> (</a:t>
-            </a:r>
-            <a:r>
-              <a:rPr lang="de-DE" dirty="0" err="1"/>
-              <a:t>Swarm</a:t>
-            </a:r>
-            <a:r>
-              <a:rPr lang="de-DE" dirty="0"/>
-              <a:t>, </a:t>
-            </a:r>
-            <a:r>
-              <a:rPr lang="de-DE" dirty="0" err="1"/>
-              <a:t>Kubernetes</a:t>
-            </a:r>
-            <a:r>
-              <a:rPr lang="de-DE" dirty="0"/>
-              <a:t>,…)</a:t>
-            </a:r>
+              <a:rPr lang="en-US" dirty="0"/>
+              <a:t>Docker Clustering</a:t>
+            </a:r>
+            <a:endParaRPr lang="de-DE" dirty="0"/>
           </a:p>
         </p:txBody>
       </p:sp>
